--- a/Lectures/HashFunctionsLite.pptx
+++ b/Lectures/HashFunctionsLite.pptx
@@ -222,7 +222,7 @@
           <a:p>
             <a:fld id="{CBA08D16-15DC-4E25-BDC3-F25146157B16}" type="datetimeFigureOut">
               <a:rPr lang="ru-RU" smtClean="0"/>
-              <a:t>10.03.2021</a:t>
+              <a:t>22.02.2024</a:t>
             </a:fld>
             <a:endParaRPr lang="ru-RU"/>
           </a:p>
@@ -621,7 +621,7 @@
           <a:p>
             <a:fld id="{FCEC8293-DB51-454A-BE81-EC8FCB31EBA2}" type="datetime1">
               <a:rPr lang="ru-RU" smtClean="0"/>
-              <a:t>10.03.2021</a:t>
+              <a:t>22.02.2024</a:t>
             </a:fld>
             <a:endParaRPr lang="ru-RU"/>
           </a:p>
@@ -795,7 +795,7 @@
           <a:p>
             <a:fld id="{241C87B1-1C35-4DBD-BC18-2BC72E776603}" type="datetime1">
               <a:rPr lang="ru-RU" smtClean="0"/>
-              <a:t>10.03.2021</a:t>
+              <a:t>22.02.2024</a:t>
             </a:fld>
             <a:endParaRPr lang="ru-RU"/>
           </a:p>
@@ -979,7 +979,7 @@
           <a:p>
             <a:fld id="{3134C275-26C0-42CD-9111-9ADE65922AF9}" type="datetime1">
               <a:rPr lang="ru-RU" smtClean="0"/>
-              <a:t>10.03.2021</a:t>
+              <a:t>22.02.2024</a:t>
             </a:fld>
             <a:endParaRPr lang="ru-RU"/>
           </a:p>
@@ -1153,7 +1153,7 @@
           <a:p>
             <a:fld id="{C1A9A50B-C350-45F5-8AAB-ADB9E670AF2E}" type="datetime1">
               <a:rPr lang="ru-RU" smtClean="0"/>
-              <a:t>10.03.2021</a:t>
+              <a:t>22.02.2024</a:t>
             </a:fld>
             <a:endParaRPr lang="ru-RU"/>
           </a:p>
@@ -1403,7 +1403,7 @@
           <a:p>
             <a:fld id="{089688C9-348F-42F9-B6C0-5990DDE0C5B2}" type="datetime1">
               <a:rPr lang="ru-RU" smtClean="0"/>
-              <a:t>10.03.2021</a:t>
+              <a:t>22.02.2024</a:t>
             </a:fld>
             <a:endParaRPr lang="ru-RU"/>
           </a:p>
@@ -1639,7 +1639,7 @@
           <a:p>
             <a:fld id="{684AFD8F-6DD9-4AD3-A505-FDC3F5C5F3F6}" type="datetime1">
               <a:rPr lang="ru-RU" smtClean="0"/>
-              <a:t>10.03.2021</a:t>
+              <a:t>22.02.2024</a:t>
             </a:fld>
             <a:endParaRPr lang="ru-RU"/>
           </a:p>
@@ -2010,7 +2010,7 @@
           <a:p>
             <a:fld id="{63551EFE-4D02-45EB-A747-8B6F047B5AA0}" type="datetime1">
               <a:rPr lang="ru-RU" smtClean="0"/>
-              <a:t>10.03.2021</a:t>
+              <a:t>22.02.2024</a:t>
             </a:fld>
             <a:endParaRPr lang="ru-RU"/>
           </a:p>
@@ -2132,7 +2132,7 @@
           <a:p>
             <a:fld id="{813A9F34-E5CD-4B8F-AA9E-889C84372B20}" type="datetime1">
               <a:rPr lang="ru-RU" smtClean="0"/>
-              <a:t>10.03.2021</a:t>
+              <a:t>22.02.2024</a:t>
             </a:fld>
             <a:endParaRPr lang="ru-RU"/>
           </a:p>
@@ -2231,7 +2231,7 @@
           <a:p>
             <a:fld id="{51224D22-9B29-44A6-8E82-95FC492DEDC1}" type="datetime1">
               <a:rPr lang="ru-RU" smtClean="0"/>
-              <a:t>10.03.2021</a:t>
+              <a:t>22.02.2024</a:t>
             </a:fld>
             <a:endParaRPr lang="ru-RU"/>
           </a:p>
@@ -2512,7 +2512,7 @@
           <a:p>
             <a:fld id="{91D1034F-4441-48A1-BDC0-25EA1022324A}" type="datetime1">
               <a:rPr lang="ru-RU" smtClean="0"/>
-              <a:t>10.03.2021</a:t>
+              <a:t>22.02.2024</a:t>
             </a:fld>
             <a:endParaRPr lang="ru-RU"/>
           </a:p>
@@ -2769,7 +2769,7 @@
           <a:p>
             <a:fld id="{B0FFDE79-B627-473B-AE17-4C65BD2495F7}" type="datetime1">
               <a:rPr lang="ru-RU" smtClean="0"/>
-              <a:t>10.03.2021</a:t>
+              <a:t>22.02.2024</a:t>
             </a:fld>
             <a:endParaRPr lang="ru-RU"/>
           </a:p>
@@ -2986,7 +2986,7 @@
           <a:p>
             <a:fld id="{11CA537A-1B8C-47BA-9BA6-7CE3FAFDA8BE}" type="datetime1">
               <a:rPr lang="ru-RU" smtClean="0"/>
-              <a:t>10.03.2021</a:t>
+              <a:t>22.02.2024</a:t>
             </a:fld>
             <a:endParaRPr lang="ru-RU"/>
           </a:p>
@@ -3469,7 +3469,11 @@
             </a:r>
             <a:r>
               <a:rPr lang="en-US" dirty="0" smtClean="0"/>
-              <a:t>21</a:t>
+              <a:t>2</a:t>
+            </a:r>
+            <a:r>
+              <a:rPr lang="ru-RU" smtClean="0"/>
+              <a:t>4</a:t>
             </a:r>
             <a:endParaRPr lang="ru-RU" dirty="0"/>
           </a:p>
@@ -7558,8 +7562,8 @@
           </a:p>
         </p:txBody>
       </p:sp>
-      <mc:AlternateContent xmlns:mc="http://schemas.openxmlformats.org/markup-compatibility/2006" xmlns:a14="http://schemas.microsoft.com/office/drawing/2010/main">
-        <mc:Choice Requires="a14">
+      <mc:AlternateContent xmlns:mc="http://schemas.openxmlformats.org/markup-compatibility/2006">
+        <mc:Choice xmlns:a14="http://schemas.microsoft.com/office/drawing/2010/main" Requires="a14">
           <p:sp>
             <p:nvSpPr>
               <p:cNvPr id="3" name="Объект 2"/>
@@ -7749,12 +7753,8 @@
                   <a:t>. </a:t>
                 </a:r>
                 <a:r>
-                  <a:rPr lang="ru-RU" dirty="0" err="1" smtClean="0"/>
-                  <a:t>Применем</a:t>
-                </a:r>
-                <a:r>
                   <a:rPr lang="ru-RU" dirty="0" smtClean="0"/>
-                  <a:t> </a:t>
+                  <a:t>Применим </a:t>
                 </a:r>
                 <a14:m>
                   <m:oMath xmlns:m="http://schemas.openxmlformats.org/officeDocument/2006/math">
@@ -7857,7 +7857,7 @@
             </p:txBody>
           </p:sp>
         </mc:Choice>
-        <mc:Fallback xmlns="">
+        <mc:Fallback>
           <p:sp>
             <p:nvSpPr>
               <p:cNvPr id="3" name="Объект 2"/>
@@ -7872,7 +7872,7 @@
               <a:blipFill>
                 <a:blip r:embed="rId2"/>
                 <a:stretch>
-                  <a:fillRect l="-928" t="-1821" r="-1159"/>
+                  <a:fillRect l="-928" t="-1821" r="-1333"/>
                 </a:stretch>
               </a:blipFill>
             </p:spPr>
@@ -8194,8 +8194,8 @@
           </a:p>
         </p:txBody>
       </p:sp>
-      <mc:AlternateContent xmlns:mc="http://schemas.openxmlformats.org/markup-compatibility/2006">
-        <mc:Choice xmlns:a14="http://schemas.microsoft.com/office/drawing/2010/main" Requires="a14">
+      <mc:AlternateContent xmlns:mc="http://schemas.openxmlformats.org/markup-compatibility/2006" xmlns:a14="http://schemas.microsoft.com/office/drawing/2010/main">
+        <mc:Choice Requires="a14">
           <p:sp>
             <p:nvSpPr>
               <p:cNvPr id="6" name="Объект 5"/>
@@ -8369,15 +8369,7 @@
                 </a14:m>
                 <a:r>
                   <a:rPr lang="ru-RU" dirty="0" smtClean="0"/>
-                  <a:t> </a:t>
-                </a:r>
-                <a:r>
-                  <a:rPr lang="ru-RU" dirty="0" smtClean="0"/>
-                  <a:t>Итерируем </a:t>
-                </a:r>
-                <a:r>
-                  <a:rPr lang="ru-RU" dirty="0" smtClean="0"/>
-                  <a:t>цепочку </a:t>
+                  <a:t> Итерируем цепочку </a:t>
                 </a:r>
                 <a14:m>
                   <m:oMath xmlns:m="http://schemas.openxmlformats.org/officeDocument/2006/math">
@@ -8401,7 +8393,7 @@
             </p:txBody>
           </p:sp>
         </mc:Choice>
-        <mc:Fallback>
+        <mc:Fallback xmlns="">
           <p:sp>
             <p:nvSpPr>
               <p:cNvPr id="6" name="Объект 5"/>
